--- a/presentation/Честотния речник на поета Кирил Кадийски.pptx
+++ b/presentation/Честотния речник на поета Кирил Кадийски.pptx
@@ -11,10 +11,12 @@
     <p:sldId id="259" r:id="rId5"/>
     <p:sldId id="260" r:id="rId6"/>
     <p:sldId id="261" r:id="rId7"/>
-    <p:sldId id="263" r:id="rId8"/>
+    <p:sldId id="264" r:id="rId8"/>
     <p:sldId id="265" r:id="rId9"/>
-    <p:sldId id="264" r:id="rId10"/>
-    <p:sldId id="267" r:id="rId11"/>
+    <p:sldId id="266" r:id="rId10"/>
+    <p:sldId id="268" r:id="rId11"/>
+    <p:sldId id="267" r:id="rId12"/>
+    <p:sldId id="270" r:id="rId13"/>
   </p:sldIdLst>
   <p:sldSz cx="12192000" cy="6858000"/>
   <p:notesSz cx="6858000" cy="9144000"/>
@@ -113,6 +115,11 @@
       </a:defRPr>
     </a:lvl9pPr>
   </p:defaultTextStyle>
+  <p:extLst>
+    <p:ext uri="{EFAFB233-063F-42B5-8137-9DF3F51BA10A}">
+      <p15:sldGuideLst xmlns:p15="http://schemas.microsoft.com/office/powerpoint/2012/main"/>
+    </p:ext>
+  </p:extLst>
 </p:presentation>
 </file>
 
@@ -247,7 +254,7 @@
           <a:p>
             <a:fld id="{14C38227-6B45-4A31-AD00-AD7A723FE18B}" type="datetimeFigureOut">
               <a:rPr lang="bg-BG" smtClean="0"/>
-              <a:t>28.1.2018 г.</a:t>
+              <a:t>2.2.2018 г.</a:t>
             </a:fld>
             <a:endParaRPr lang="bg-BG"/>
           </a:p>
@@ -417,7 +424,7 @@
           <a:p>
             <a:fld id="{14C38227-6B45-4A31-AD00-AD7A723FE18B}" type="datetimeFigureOut">
               <a:rPr lang="bg-BG" smtClean="0"/>
-              <a:t>28.1.2018 г.</a:t>
+              <a:t>2.2.2018 г.</a:t>
             </a:fld>
             <a:endParaRPr lang="bg-BG"/>
           </a:p>
@@ -597,7 +604,7 @@
           <a:p>
             <a:fld id="{14C38227-6B45-4A31-AD00-AD7A723FE18B}" type="datetimeFigureOut">
               <a:rPr lang="bg-BG" smtClean="0"/>
-              <a:t>28.1.2018 г.</a:t>
+              <a:t>2.2.2018 г.</a:t>
             </a:fld>
             <a:endParaRPr lang="bg-BG"/>
           </a:p>
@@ -767,7 +774,7 @@
           <a:p>
             <a:fld id="{14C38227-6B45-4A31-AD00-AD7A723FE18B}" type="datetimeFigureOut">
               <a:rPr lang="bg-BG" smtClean="0"/>
-              <a:t>28.1.2018 г.</a:t>
+              <a:t>2.2.2018 г.</a:t>
             </a:fld>
             <a:endParaRPr lang="bg-BG"/>
           </a:p>
@@ -1013,7 +1020,7 @@
           <a:p>
             <a:fld id="{14C38227-6B45-4A31-AD00-AD7A723FE18B}" type="datetimeFigureOut">
               <a:rPr lang="bg-BG" smtClean="0"/>
-              <a:t>28.1.2018 г.</a:t>
+              <a:t>2.2.2018 г.</a:t>
             </a:fld>
             <a:endParaRPr lang="bg-BG"/>
           </a:p>
@@ -1245,7 +1252,7 @@
           <a:p>
             <a:fld id="{14C38227-6B45-4A31-AD00-AD7A723FE18B}" type="datetimeFigureOut">
               <a:rPr lang="bg-BG" smtClean="0"/>
-              <a:t>28.1.2018 г.</a:t>
+              <a:t>2.2.2018 г.</a:t>
             </a:fld>
             <a:endParaRPr lang="bg-BG"/>
           </a:p>
@@ -1612,7 +1619,7 @@
           <a:p>
             <a:fld id="{14C38227-6B45-4A31-AD00-AD7A723FE18B}" type="datetimeFigureOut">
               <a:rPr lang="bg-BG" smtClean="0"/>
-              <a:t>28.1.2018 г.</a:t>
+              <a:t>2.2.2018 г.</a:t>
             </a:fld>
             <a:endParaRPr lang="bg-BG"/>
           </a:p>
@@ -1730,7 +1737,7 @@
           <a:p>
             <a:fld id="{14C38227-6B45-4A31-AD00-AD7A723FE18B}" type="datetimeFigureOut">
               <a:rPr lang="bg-BG" smtClean="0"/>
-              <a:t>28.1.2018 г.</a:t>
+              <a:t>2.2.2018 г.</a:t>
             </a:fld>
             <a:endParaRPr lang="bg-BG"/>
           </a:p>
@@ -1825,7 +1832,7 @@
           <a:p>
             <a:fld id="{14C38227-6B45-4A31-AD00-AD7A723FE18B}" type="datetimeFigureOut">
               <a:rPr lang="bg-BG" smtClean="0"/>
-              <a:t>28.1.2018 г.</a:t>
+              <a:t>2.2.2018 г.</a:t>
             </a:fld>
             <a:endParaRPr lang="bg-BG"/>
           </a:p>
@@ -2102,7 +2109,7 @@
           <a:p>
             <a:fld id="{14C38227-6B45-4A31-AD00-AD7A723FE18B}" type="datetimeFigureOut">
               <a:rPr lang="bg-BG" smtClean="0"/>
-              <a:t>28.1.2018 г.</a:t>
+              <a:t>2.2.2018 г.</a:t>
             </a:fld>
             <a:endParaRPr lang="bg-BG"/>
           </a:p>
@@ -2355,7 +2362,7 @@
           <a:p>
             <a:fld id="{14C38227-6B45-4A31-AD00-AD7A723FE18B}" type="datetimeFigureOut">
               <a:rPr lang="bg-BG" smtClean="0"/>
-              <a:t>28.1.2018 г.</a:t>
+              <a:t>2.2.2018 г.</a:t>
             </a:fld>
             <a:endParaRPr lang="bg-BG"/>
           </a:p>
@@ -2568,7 +2575,7 @@
           <a:p>
             <a:fld id="{14C38227-6B45-4A31-AD00-AD7A723FE18B}" type="datetimeFigureOut">
               <a:rPr lang="bg-BG" smtClean="0"/>
-              <a:t>28.1.2018 г.</a:t>
+              <a:t>2.2.2018 г.</a:t>
             </a:fld>
             <a:endParaRPr lang="bg-BG"/>
           </a:p>
@@ -3011,6 +3018,10 @@
           <a:bodyPr/>
           <a:lstStyle/>
           <a:p>
+            <a:r>
+              <a:rPr lang="bg-BG" dirty="0" smtClean="0"/>
+              <a:t>Нина Аначкова, 25564</a:t>
+            </a:r>
             <a:endParaRPr lang="bg-BG" dirty="0"/>
           </a:p>
         </p:txBody>
@@ -3062,7 +3073,30 @@
           <a:p>
             <a:r>
               <a:rPr lang="bg-BG" dirty="0" smtClean="0"/>
-              <a:t>Разпределение на използваните думи от Хр. Ботев</a:t>
+              <a:t>Конкорданси: свят</a:t>
+            </a:r>
+            <a:endParaRPr lang="bg-BG" dirty="0"/>
+          </a:p>
+        </p:txBody>
+      </p:sp>
+      <p:sp>
+        <p:nvSpPr>
+          <p:cNvPr id="3" name="Content Placeholder 2"/>
+          <p:cNvSpPr>
+            <a:spLocks noGrp="1"/>
+          </p:cNvSpPr>
+          <p:nvPr>
+            <p:ph idx="1"/>
+          </p:nvPr>
+        </p:nvSpPr>
+        <p:spPr/>
+        <p:txBody>
+          <a:bodyPr/>
+          <a:lstStyle/>
+          <a:p>
+            <a:r>
+              <a:rPr lang="bg-BG" dirty="0" smtClean="0"/>
+              <a:t>20 случая:</a:t>
             </a:r>
             <a:endParaRPr lang="bg-BG" dirty="0"/>
           </a:p>
@@ -3070,7 +3104,7 @@
       </p:sp>
       <p:pic>
         <p:nvPicPr>
-          <p:cNvPr id="3" name="Picture 2"/>
+          <p:cNvPr id="4" name="Picture 3"/>
           <p:cNvPicPr>
             <a:picLocks noChangeAspect="1"/>
           </p:cNvPicPr>
@@ -3084,8 +3118,8 @@
         </p:blipFill>
         <p:spPr>
           <a:xfrm>
-            <a:off x="1895466" y="1803054"/>
-            <a:ext cx="8096260" cy="4649567"/>
+            <a:off x="3367087" y="2377281"/>
+            <a:ext cx="5457825" cy="3248025"/>
           </a:xfrm>
           <a:prstGeom prst="rect">
             <a:avLst/>
@@ -3095,7 +3129,207 @@
     </p:spTree>
     <p:extLst>
       <p:ext uri="{BB962C8B-B14F-4D97-AF65-F5344CB8AC3E}">
-        <p14:creationId xmlns:p14="http://schemas.microsoft.com/office/powerpoint/2010/main" val="3902094885"/>
+        <p14:creationId xmlns:p14="http://schemas.microsoft.com/office/powerpoint/2010/main" val="2718752140"/>
+      </p:ext>
+    </p:extLst>
+  </p:cSld>
+  <p:clrMapOvr>
+    <a:masterClrMapping/>
+  </p:clrMapOvr>
+</p:sld>
+</file>
+
+<file path=ppt/slides/slide11.xml><?xml version="1.0" encoding="utf-8"?>
+<p:sld xmlns:a="http://schemas.openxmlformats.org/drawingml/2006/main" xmlns:r="http://schemas.openxmlformats.org/officeDocument/2006/relationships" xmlns:p="http://schemas.openxmlformats.org/presentationml/2006/main">
+  <p:cSld>
+    <p:spTree>
+      <p:nvGrpSpPr>
+        <p:cNvPr id="1" name=""/>
+        <p:cNvGrpSpPr/>
+        <p:nvPr/>
+      </p:nvGrpSpPr>
+      <p:grpSpPr>
+        <a:xfrm>
+          <a:off x="0" y="0"/>
+          <a:ext cx="0" cy="0"/>
+          <a:chOff x="0" y="0"/>
+          <a:chExt cx="0" cy="0"/>
+        </a:xfrm>
+      </p:grpSpPr>
+      <p:sp>
+        <p:nvSpPr>
+          <p:cNvPr id="2" name="Title 1"/>
+          <p:cNvSpPr>
+            <a:spLocks noGrp="1"/>
+          </p:cNvSpPr>
+          <p:nvPr>
+            <p:ph type="title"/>
+          </p:nvPr>
+        </p:nvSpPr>
+        <p:spPr/>
+        <p:txBody>
+          <a:bodyPr/>
+          <a:lstStyle/>
+          <a:p>
+            <a:r>
+              <a:rPr lang="bg-BG" dirty="0" smtClean="0"/>
+              <a:t>Конкорданси: слънцето</a:t>
+            </a:r>
+            <a:endParaRPr lang="bg-BG" dirty="0"/>
+          </a:p>
+        </p:txBody>
+      </p:sp>
+      <p:sp>
+        <p:nvSpPr>
+          <p:cNvPr id="3" name="Content Placeholder 2"/>
+          <p:cNvSpPr>
+            <a:spLocks noGrp="1"/>
+          </p:cNvSpPr>
+          <p:nvPr>
+            <p:ph idx="1"/>
+          </p:nvPr>
+        </p:nvSpPr>
+        <p:spPr/>
+        <p:txBody>
+          <a:bodyPr/>
+          <a:lstStyle/>
+          <a:p>
+            <a:r>
+              <a:rPr lang="bg-BG" dirty="0" smtClean="0"/>
+              <a:t>18 случая:</a:t>
+            </a:r>
+            <a:endParaRPr lang="bg-BG" dirty="0"/>
+          </a:p>
+        </p:txBody>
+      </p:sp>
+      <p:pic>
+        <p:nvPicPr>
+          <p:cNvPr id="5" name="Picture 4"/>
+          <p:cNvPicPr>
+            <a:picLocks noChangeAspect="1"/>
+          </p:cNvPicPr>
+          <p:nvPr/>
+        </p:nvPicPr>
+        <p:blipFill>
+          <a:blip r:embed="rId2"/>
+          <a:stretch>
+            <a:fillRect/>
+          </a:stretch>
+        </p:blipFill>
+        <p:spPr>
+          <a:xfrm>
+            <a:off x="3371850" y="2558256"/>
+            <a:ext cx="5448300" cy="2886075"/>
+          </a:xfrm>
+          <a:prstGeom prst="rect">
+            <a:avLst/>
+          </a:prstGeom>
+        </p:spPr>
+      </p:pic>
+    </p:spTree>
+    <p:extLst>
+      <p:ext uri="{BB962C8B-B14F-4D97-AF65-F5344CB8AC3E}">
+        <p14:creationId xmlns:p14="http://schemas.microsoft.com/office/powerpoint/2010/main" val="942136781"/>
+      </p:ext>
+    </p:extLst>
+  </p:cSld>
+  <p:clrMapOvr>
+    <a:masterClrMapping/>
+  </p:clrMapOvr>
+</p:sld>
+</file>
+
+<file path=ppt/slides/slide12.xml><?xml version="1.0" encoding="utf-8"?>
+<p:sld xmlns:a="http://schemas.openxmlformats.org/drawingml/2006/main" xmlns:r="http://schemas.openxmlformats.org/officeDocument/2006/relationships" xmlns:p="http://schemas.openxmlformats.org/presentationml/2006/main">
+  <p:cSld>
+    <p:spTree>
+      <p:nvGrpSpPr>
+        <p:cNvPr id="1" name=""/>
+        <p:cNvGrpSpPr/>
+        <p:nvPr/>
+      </p:nvGrpSpPr>
+      <p:grpSpPr>
+        <a:xfrm>
+          <a:off x="0" y="0"/>
+          <a:ext cx="0" cy="0"/>
+          <a:chOff x="0" y="0"/>
+          <a:chExt cx="0" cy="0"/>
+        </a:xfrm>
+      </p:grpSpPr>
+      <p:sp>
+        <p:nvSpPr>
+          <p:cNvPr id="2" name="Title 1"/>
+          <p:cNvSpPr>
+            <a:spLocks noGrp="1"/>
+          </p:cNvSpPr>
+          <p:nvPr>
+            <p:ph type="title"/>
+          </p:nvPr>
+        </p:nvSpPr>
+        <p:spPr/>
+        <p:txBody>
+          <a:bodyPr/>
+          <a:lstStyle/>
+          <a:p>
+            <a:r>
+              <a:rPr lang="bg-BG" dirty="0" smtClean="0"/>
+              <a:t>Конкорданси: ден</a:t>
+            </a:r>
+            <a:endParaRPr lang="bg-BG" dirty="0"/>
+          </a:p>
+        </p:txBody>
+      </p:sp>
+      <p:sp>
+        <p:nvSpPr>
+          <p:cNvPr id="3" name="Content Placeholder 2"/>
+          <p:cNvSpPr>
+            <a:spLocks noGrp="1"/>
+          </p:cNvSpPr>
+          <p:nvPr>
+            <p:ph idx="1"/>
+          </p:nvPr>
+        </p:nvSpPr>
+        <p:spPr/>
+        <p:txBody>
+          <a:bodyPr/>
+          <a:lstStyle/>
+          <a:p>
+            <a:r>
+              <a:rPr lang="bg-BG" dirty="0" smtClean="0"/>
+              <a:t>16 случая:</a:t>
+            </a:r>
+            <a:endParaRPr lang="bg-BG" dirty="0"/>
+          </a:p>
+        </p:txBody>
+      </p:sp>
+      <p:pic>
+        <p:nvPicPr>
+          <p:cNvPr id="4" name="Picture 3"/>
+          <p:cNvPicPr>
+            <a:picLocks noChangeAspect="1"/>
+          </p:cNvPicPr>
+          <p:nvPr/>
+        </p:nvPicPr>
+        <p:blipFill>
+          <a:blip r:embed="rId2"/>
+          <a:stretch>
+            <a:fillRect/>
+          </a:stretch>
+        </p:blipFill>
+        <p:spPr>
+          <a:xfrm>
+            <a:off x="3343275" y="2701131"/>
+            <a:ext cx="5505450" cy="2600325"/>
+          </a:xfrm>
+          <a:prstGeom prst="rect">
+            <a:avLst/>
+          </a:prstGeom>
+        </p:spPr>
+      </p:pic>
+    </p:spTree>
+    <p:extLst>
+      <p:ext uri="{BB962C8B-B14F-4D97-AF65-F5344CB8AC3E}">
+        <p14:creationId xmlns:p14="http://schemas.microsoft.com/office/powerpoint/2010/main" val="3538455182"/>
       </p:ext>
     </p:extLst>
   </p:cSld>
@@ -3339,7 +3573,7 @@
         </p:blipFill>
         <p:spPr>
           <a:xfrm>
-            <a:off x="5185476" y="1966911"/>
+            <a:off x="6209941" y="1966911"/>
             <a:ext cx="2153603" cy="4533425"/>
           </a:xfrm>
           <a:prstGeom prst="rect">
@@ -3363,7 +3597,7 @@
         </p:blipFill>
         <p:spPr>
           <a:xfrm>
-            <a:off x="2312825" y="1966911"/>
+            <a:off x="3337290" y="1966911"/>
             <a:ext cx="1655921" cy="4533425"/>
           </a:xfrm>
           <a:prstGeom prst="rect">
@@ -3371,30 +3605,6 @@
           </a:prstGeom>
         </p:spPr>
       </p:pic>
-      <p:pic>
-        <p:nvPicPr>
-          <p:cNvPr id="7" name="Picture 6"/>
-          <p:cNvPicPr>
-            <a:picLocks noChangeAspect="1"/>
-          </p:cNvPicPr>
-          <p:nvPr/>
-        </p:nvPicPr>
-        <p:blipFill>
-          <a:blip r:embed="rId4"/>
-          <a:stretch>
-            <a:fillRect/>
-          </a:stretch>
-        </p:blipFill>
-        <p:spPr>
-          <a:xfrm>
-            <a:off x="8503655" y="1976436"/>
-            <a:ext cx="1284923" cy="4533425"/>
-          </a:xfrm>
-          <a:prstGeom prst="rect">
-            <a:avLst/>
-          </a:prstGeom>
-        </p:spPr>
-      </p:pic>
       <p:sp>
         <p:nvSpPr>
           <p:cNvPr id="8" name="TextBox 7"/>
@@ -3403,7 +3613,7 @@
         </p:nvSpPr>
         <p:spPr>
           <a:xfrm>
-            <a:off x="2525488" y="1523583"/>
+            <a:off x="3549953" y="1523583"/>
             <a:ext cx="1230593" cy="338554"/>
           </a:xfrm>
           <a:prstGeom prst="rect">
@@ -3433,7 +3643,7 @@
         </p:nvSpPr>
         <p:spPr>
           <a:xfrm>
-            <a:off x="4851987" y="1379565"/>
+            <a:off x="5876452" y="1379565"/>
             <a:ext cx="2820580" cy="584775"/>
           </a:xfrm>
           <a:prstGeom prst="rect">
@@ -3458,37 +3668,6 @@
             <a:r>
               <a:rPr lang="bg-BG" sz="1600" dirty="0" smtClean="0"/>
               <a:t>(художествен речник)</a:t>
-            </a:r>
-            <a:endParaRPr lang="bg-BG" sz="1600" dirty="0"/>
-          </a:p>
-        </p:txBody>
-      </p:sp>
-      <p:sp>
-        <p:nvSpPr>
-          <p:cNvPr id="10" name="TextBox 9"/>
-          <p:cNvSpPr txBox="1"/>
-          <p:nvPr/>
-        </p:nvSpPr>
-        <p:spPr>
-          <a:xfrm>
-            <a:off x="8649858" y="1502675"/>
-            <a:ext cx="992516" cy="338554"/>
-          </a:xfrm>
-          <a:prstGeom prst="rect">
-            <a:avLst/>
-          </a:prstGeom>
-          <a:noFill/>
-        </p:spPr>
-        <p:txBody>
-          <a:bodyPr wrap="none" rtlCol="0">
-            <a:spAutoFit/>
-          </a:bodyPr>
-          <a:lstStyle/>
-          <a:p>
-            <a:pPr algn="ctr"/>
-            <a:r>
-              <a:rPr lang="bg-BG" sz="1600" dirty="0" smtClean="0"/>
-              <a:t>Хр. Ботев</a:t>
             </a:r>
             <a:endParaRPr lang="bg-BG" sz="1600" dirty="0"/>
           </a:p>
@@ -3695,161 +3874,15 @@
           <a:p>
             <a:r>
               <a:rPr lang="bg-BG" dirty="0" smtClean="0"/>
-              <a:t>Дисперсия на най-често употребяваните думи от Хр. Ботев</a:t>
-            </a:r>
-            <a:endParaRPr lang="bg-BG" dirty="0"/>
-          </a:p>
-        </p:txBody>
-      </p:sp>
-      <p:pic>
-        <p:nvPicPr>
-          <p:cNvPr id="3" name="Picture 2"/>
-          <p:cNvPicPr>
-            <a:picLocks noChangeAspect="1"/>
-          </p:cNvPicPr>
-          <p:nvPr/>
-        </p:nvPicPr>
-        <p:blipFill>
-          <a:blip r:embed="rId2"/>
-          <a:stretch>
-            <a:fillRect/>
-          </a:stretch>
-        </p:blipFill>
-        <p:spPr>
-          <a:xfrm>
-            <a:off x="1714500" y="1690688"/>
-            <a:ext cx="7915276" cy="5065479"/>
-          </a:xfrm>
-          <a:prstGeom prst="rect">
-            <a:avLst/>
-          </a:prstGeom>
-        </p:spPr>
-      </p:pic>
-    </p:spTree>
-    <p:extLst>
-      <p:ext uri="{BB962C8B-B14F-4D97-AF65-F5344CB8AC3E}">
-        <p14:creationId xmlns:p14="http://schemas.microsoft.com/office/powerpoint/2010/main" val="545497889"/>
-      </p:ext>
-    </p:extLst>
-  </p:cSld>
-  <p:clrMapOvr>
-    <a:masterClrMapping/>
-  </p:clrMapOvr>
-</p:sld>
-</file>
-
-<file path=ppt/slides/slide8.xml><?xml version="1.0" encoding="utf-8"?>
-<p:sld xmlns:a="http://schemas.openxmlformats.org/drawingml/2006/main" xmlns:r="http://schemas.openxmlformats.org/officeDocument/2006/relationships" xmlns:p="http://schemas.openxmlformats.org/presentationml/2006/main">
-  <p:cSld>
-    <p:spTree>
-      <p:nvGrpSpPr>
-        <p:cNvPr id="1" name=""/>
-        <p:cNvGrpSpPr/>
-        <p:nvPr/>
-      </p:nvGrpSpPr>
-      <p:grpSpPr>
-        <a:xfrm>
-          <a:off x="0" y="0"/>
-          <a:ext cx="0" cy="0"/>
-          <a:chOff x="0" y="0"/>
-          <a:chExt cx="0" cy="0"/>
-        </a:xfrm>
-      </p:grpSpPr>
-      <p:sp>
-        <p:nvSpPr>
-          <p:cNvPr id="2" name="Title 1"/>
-          <p:cNvSpPr>
-            <a:spLocks noGrp="1"/>
-          </p:cNvSpPr>
-          <p:nvPr>
-            <p:ph type="title"/>
-          </p:nvPr>
-        </p:nvSpPr>
-        <p:spPr/>
-        <p:txBody>
-          <a:bodyPr/>
-          <a:lstStyle/>
-          <a:p>
+              <a:t>Кумулативен брой на 50</a:t>
+            </a:r>
+            <a:r>
+              <a:rPr lang="bg-BG" baseline="30000" dirty="0" smtClean="0"/>
+              <a:t>-те</a:t>
+            </a:r>
             <a:r>
               <a:rPr lang="bg-BG" dirty="0" smtClean="0"/>
-              <a:t>Дисперсия на художествения честотен речник в поезията на Хр. Ботев</a:t>
-            </a:r>
-            <a:endParaRPr lang="bg-BG" dirty="0"/>
-          </a:p>
-        </p:txBody>
-      </p:sp>
-      <p:pic>
-        <p:nvPicPr>
-          <p:cNvPr id="4" name="Picture 3"/>
-          <p:cNvPicPr>
-            <a:picLocks noChangeAspect="1"/>
-          </p:cNvPicPr>
-          <p:nvPr/>
-        </p:nvPicPr>
-        <p:blipFill>
-          <a:blip r:embed="rId2"/>
-          <a:stretch>
-            <a:fillRect/>
-          </a:stretch>
-        </p:blipFill>
-        <p:spPr>
-          <a:xfrm>
-            <a:off x="1447800" y="1592849"/>
-            <a:ext cx="8369055" cy="5087229"/>
-          </a:xfrm>
-          <a:prstGeom prst="rect">
-            <a:avLst/>
-          </a:prstGeom>
-        </p:spPr>
-      </p:pic>
-    </p:spTree>
-    <p:extLst>
-      <p:ext uri="{BB962C8B-B14F-4D97-AF65-F5344CB8AC3E}">
-        <p14:creationId xmlns:p14="http://schemas.microsoft.com/office/powerpoint/2010/main" val="3984661698"/>
-      </p:ext>
-    </p:extLst>
-  </p:cSld>
-  <p:clrMapOvr>
-    <a:masterClrMapping/>
-  </p:clrMapOvr>
-</p:sld>
-</file>
-
-<file path=ppt/slides/slide9.xml><?xml version="1.0" encoding="utf-8"?>
-<p:sld xmlns:a="http://schemas.openxmlformats.org/drawingml/2006/main" xmlns:r="http://schemas.openxmlformats.org/officeDocument/2006/relationships" xmlns:p="http://schemas.openxmlformats.org/presentationml/2006/main">
-  <p:cSld>
-    <p:spTree>
-      <p:nvGrpSpPr>
-        <p:cNvPr id="1" name=""/>
-        <p:cNvGrpSpPr/>
-        <p:nvPr/>
-      </p:nvGrpSpPr>
-      <p:grpSpPr>
-        <a:xfrm>
-          <a:off x="0" y="0"/>
-          <a:ext cx="0" cy="0"/>
-          <a:chOff x="0" y="0"/>
-          <a:chExt cx="0" cy="0"/>
-        </a:xfrm>
-      </p:grpSpPr>
-      <p:sp>
-        <p:nvSpPr>
-          <p:cNvPr id="2" name="Title 1"/>
-          <p:cNvSpPr>
-            <a:spLocks noGrp="1"/>
-          </p:cNvSpPr>
-          <p:nvPr>
-            <p:ph type="title"/>
-          </p:nvPr>
-        </p:nvSpPr>
-        <p:spPr/>
-        <p:txBody>
-          <a:bodyPr/>
-          <a:lstStyle/>
-          <a:p>
-            <a:r>
-              <a:rPr lang="bg-BG" dirty="0" smtClean="0"/>
-              <a:t>Разпределение на използваните думи от К. Кадийски</a:t>
+              <a:t> най-използвани думи от поета К. Кадийски</a:t>
             </a:r>
             <a:endParaRPr lang="bg-BG" dirty="0"/>
           </a:p>
@@ -3883,6 +3916,189 @@
     <p:extLst>
       <p:ext uri="{BB962C8B-B14F-4D97-AF65-F5344CB8AC3E}">
         <p14:creationId xmlns:p14="http://schemas.microsoft.com/office/powerpoint/2010/main" val="1909956510"/>
+      </p:ext>
+    </p:extLst>
+  </p:cSld>
+  <p:clrMapOvr>
+    <a:masterClrMapping/>
+  </p:clrMapOvr>
+</p:sld>
+</file>
+
+<file path=ppt/slides/slide8.xml><?xml version="1.0" encoding="utf-8"?>
+<p:sld xmlns:a="http://schemas.openxmlformats.org/drawingml/2006/main" xmlns:r="http://schemas.openxmlformats.org/officeDocument/2006/relationships" xmlns:p="http://schemas.openxmlformats.org/presentationml/2006/main">
+  <p:cSld>
+    <p:spTree>
+      <p:nvGrpSpPr>
+        <p:cNvPr id="1" name=""/>
+        <p:cNvGrpSpPr/>
+        <p:nvPr/>
+      </p:nvGrpSpPr>
+      <p:grpSpPr>
+        <a:xfrm>
+          <a:off x="0" y="0"/>
+          <a:ext cx="0" cy="0"/>
+          <a:chOff x="0" y="0"/>
+          <a:chExt cx="0" cy="0"/>
+        </a:xfrm>
+      </p:grpSpPr>
+      <p:sp>
+        <p:nvSpPr>
+          <p:cNvPr id="2" name="Title 1"/>
+          <p:cNvSpPr>
+            <a:spLocks noGrp="1"/>
+          </p:cNvSpPr>
+          <p:nvPr>
+            <p:ph type="title"/>
+          </p:nvPr>
+        </p:nvSpPr>
+        <p:spPr/>
+        <p:txBody>
+          <a:bodyPr/>
+          <a:lstStyle/>
+          <a:p>
+            <a:r>
+              <a:rPr lang="bg-BG" dirty="0" smtClean="0"/>
+              <a:t>Графика на 50</a:t>
+            </a:r>
+            <a:r>
+              <a:rPr lang="bg-BG" baseline="30000" dirty="0" smtClean="0"/>
+              <a:t>-те</a:t>
+            </a:r>
+            <a:r>
+              <a:rPr lang="bg-BG" dirty="0" smtClean="0"/>
+              <a:t> </a:t>
+            </a:r>
+            <a:r>
+              <a:rPr lang="bg-BG" dirty="0"/>
+              <a:t>най-използвани думи от поета К. Кадийски</a:t>
+            </a:r>
+          </a:p>
+        </p:txBody>
+      </p:sp>
+      <p:pic>
+        <p:nvPicPr>
+          <p:cNvPr id="4" name="Content Placeholder 3"/>
+          <p:cNvPicPr>
+            <a:picLocks noGrp="1" noChangeAspect="1"/>
+          </p:cNvPicPr>
+          <p:nvPr>
+            <p:ph idx="1"/>
+          </p:nvPr>
+        </p:nvPicPr>
+        <p:blipFill>
+          <a:blip r:embed="rId2"/>
+          <a:stretch>
+            <a:fillRect/>
+          </a:stretch>
+        </p:blipFill>
+        <p:spPr>
+          <a:xfrm>
+            <a:off x="2491413" y="1817158"/>
+            <a:ext cx="7209173" cy="4351338"/>
+          </a:xfrm>
+          <a:prstGeom prst="rect">
+            <a:avLst/>
+          </a:prstGeom>
+        </p:spPr>
+      </p:pic>
+    </p:spTree>
+    <p:extLst>
+      <p:ext uri="{BB962C8B-B14F-4D97-AF65-F5344CB8AC3E}">
+        <p14:creationId xmlns:p14="http://schemas.microsoft.com/office/powerpoint/2010/main" val="2967886799"/>
+      </p:ext>
+    </p:extLst>
+  </p:cSld>
+  <p:clrMapOvr>
+    <a:masterClrMapping/>
+  </p:clrMapOvr>
+</p:sld>
+</file>
+
+<file path=ppt/slides/slide9.xml><?xml version="1.0" encoding="utf-8"?>
+<p:sld xmlns:a="http://schemas.openxmlformats.org/drawingml/2006/main" xmlns:r="http://schemas.openxmlformats.org/officeDocument/2006/relationships" xmlns:p="http://schemas.openxmlformats.org/presentationml/2006/main">
+  <p:cSld>
+    <p:spTree>
+      <p:nvGrpSpPr>
+        <p:cNvPr id="1" name=""/>
+        <p:cNvGrpSpPr/>
+        <p:nvPr/>
+      </p:nvGrpSpPr>
+      <p:grpSpPr>
+        <a:xfrm>
+          <a:off x="0" y="0"/>
+          <a:ext cx="0" cy="0"/>
+          <a:chOff x="0" y="0"/>
+          <a:chExt cx="0" cy="0"/>
+        </a:xfrm>
+      </p:grpSpPr>
+      <p:sp>
+        <p:nvSpPr>
+          <p:cNvPr id="2" name="Title 1"/>
+          <p:cNvSpPr>
+            <a:spLocks noGrp="1"/>
+          </p:cNvSpPr>
+          <p:nvPr>
+            <p:ph type="title"/>
+          </p:nvPr>
+        </p:nvSpPr>
+        <p:spPr/>
+        <p:txBody>
+          <a:bodyPr/>
+          <a:lstStyle/>
+          <a:p>
+            <a:r>
+              <a:rPr lang="bg-BG" dirty="0" smtClean="0"/>
+              <a:t>Честотно разпределение на </a:t>
+            </a:r>
+            <a:r>
+              <a:rPr lang="bg-BG" dirty="0"/>
+              <a:t>50</a:t>
+            </a:r>
+            <a:r>
+              <a:rPr lang="bg-BG" baseline="30000" dirty="0"/>
+              <a:t>-те</a:t>
+            </a:r>
+            <a:r>
+              <a:rPr lang="bg-BG" dirty="0"/>
+              <a:t> най-използвани думи от поета К. Кадийски</a:t>
+            </a:r>
+            <a:r>
+              <a:rPr lang="bg-BG" dirty="0" smtClean="0"/>
+              <a:t> </a:t>
+            </a:r>
+            <a:endParaRPr lang="bg-BG" dirty="0"/>
+          </a:p>
+        </p:txBody>
+      </p:sp>
+      <p:pic>
+        <p:nvPicPr>
+          <p:cNvPr id="5" name="Picture 4"/>
+          <p:cNvPicPr>
+            <a:picLocks noChangeAspect="1"/>
+          </p:cNvPicPr>
+          <p:nvPr/>
+        </p:nvPicPr>
+        <p:blipFill>
+          <a:blip r:embed="rId2"/>
+          <a:stretch>
+            <a:fillRect/>
+          </a:stretch>
+        </p:blipFill>
+        <p:spPr>
+          <a:xfrm>
+            <a:off x="2351524" y="1690688"/>
+            <a:ext cx="7488951" cy="4389129"/>
+          </a:xfrm>
+          <a:prstGeom prst="rect">
+            <a:avLst/>
+          </a:prstGeom>
+        </p:spPr>
+      </p:pic>
+    </p:spTree>
+    <p:extLst>
+      <p:ext uri="{BB962C8B-B14F-4D97-AF65-F5344CB8AC3E}">
+        <p14:creationId xmlns:p14="http://schemas.microsoft.com/office/powerpoint/2010/main" val="1916916192"/>
       </p:ext>
     </p:extLst>
   </p:cSld>
